--- a/slutredovisning.pptx
+++ b/slutredovisning.pptx
@@ -242,7 +242,7 @@
           <a:p>
             <a:fld id="{78657D70-8167-4127-866D-BAA56A2DFFEF}" type="datetimeFigureOut">
               <a:rPr lang="sv-SE" smtClean="0"/>
-              <a:t>2020-10-21</a:t>
+              <a:t>2020-10-26</a:t>
             </a:fld>
             <a:endParaRPr lang="sv-SE"/>
           </a:p>
@@ -5291,7 +5291,7 @@
           <a:p>
             <a:fld id="{B5243C99-1B80-495E-87F7-7AFCCE06776C}" type="datetime1">
               <a:rPr lang="sv-SE" smtClean="0"/>
-              <a:t>2020-10-21</a:t>
+              <a:t>2020-10-26</a:t>
             </a:fld>
             <a:endParaRPr lang="sv-SE"/>
           </a:p>
@@ -5459,7 +5459,7 @@
           <a:p>
             <a:fld id="{EFF9B08E-75F4-420B-A248-AA3E18DD4CFE}" type="datetime1">
               <a:rPr lang="sv-SE" smtClean="0"/>
-              <a:t>2020-10-21</a:t>
+              <a:t>2020-10-26</a:t>
             </a:fld>
             <a:endParaRPr lang="sv-SE"/>
           </a:p>
@@ -5637,7 +5637,7 @@
           <a:p>
             <a:fld id="{ED642127-6626-486B-86ED-B4D3C6018753}" type="datetime1">
               <a:rPr lang="sv-SE" smtClean="0"/>
-              <a:t>2020-10-21</a:t>
+              <a:t>2020-10-26</a:t>
             </a:fld>
             <a:endParaRPr lang="sv-SE"/>
           </a:p>
@@ -5805,7 +5805,7 @@
           <a:p>
             <a:fld id="{B22EF74D-6D7A-4A1A-8A5D-D7DBD3ED6055}" type="datetime1">
               <a:rPr lang="sv-SE" smtClean="0"/>
-              <a:t>2020-10-21</a:t>
+              <a:t>2020-10-26</a:t>
             </a:fld>
             <a:endParaRPr lang="sv-SE"/>
           </a:p>
@@ -6050,7 +6050,7 @@
           <a:p>
             <a:fld id="{B54ABB82-C7E8-4BD9-9F32-C615090D2976}" type="datetime1">
               <a:rPr lang="sv-SE" smtClean="0"/>
-              <a:t>2020-10-21</a:t>
+              <a:t>2020-10-26</a:t>
             </a:fld>
             <a:endParaRPr lang="sv-SE"/>
           </a:p>
@@ -6279,7 +6279,7 @@
           <a:p>
             <a:fld id="{9A493817-72BF-4FCD-9D5E-61793CA1AA4C}" type="datetime1">
               <a:rPr lang="sv-SE" smtClean="0"/>
-              <a:t>2020-10-21</a:t>
+              <a:t>2020-10-26</a:t>
             </a:fld>
             <a:endParaRPr lang="sv-SE"/>
           </a:p>
@@ -6643,7 +6643,7 @@
           <a:p>
             <a:fld id="{B55BE1AF-ED05-4AA9-B2CA-E6BFD955C392}" type="datetime1">
               <a:rPr lang="sv-SE" smtClean="0"/>
-              <a:t>2020-10-21</a:t>
+              <a:t>2020-10-26</a:t>
             </a:fld>
             <a:endParaRPr lang="sv-SE"/>
           </a:p>
@@ -6760,7 +6760,7 @@
           <a:p>
             <a:fld id="{4BB87BA6-9807-420B-A727-1461ED3E9DEA}" type="datetime1">
               <a:rPr lang="sv-SE" smtClean="0"/>
-              <a:t>2020-10-21</a:t>
+              <a:t>2020-10-26</a:t>
             </a:fld>
             <a:endParaRPr lang="sv-SE"/>
           </a:p>
@@ -6855,7 +6855,7 @@
           <a:p>
             <a:fld id="{FA8BA9ED-4327-49D5-B0CA-E958EB348999}" type="datetime1">
               <a:rPr lang="sv-SE" smtClean="0"/>
-              <a:t>2020-10-21</a:t>
+              <a:t>2020-10-26</a:t>
             </a:fld>
             <a:endParaRPr lang="sv-SE"/>
           </a:p>
@@ -7130,7 +7130,7 @@
           <a:p>
             <a:fld id="{1EBB9305-74E0-4DA8-9CE1-B9D2DEC92CD6}" type="datetime1">
               <a:rPr lang="sv-SE" smtClean="0"/>
-              <a:t>2020-10-21</a:t>
+              <a:t>2020-10-26</a:t>
             </a:fld>
             <a:endParaRPr lang="sv-SE"/>
           </a:p>
@@ -7382,7 +7382,7 @@
           <a:p>
             <a:fld id="{6DD7C7BA-2D47-4672-B6E6-C2246644627B}" type="datetime1">
               <a:rPr lang="sv-SE" smtClean="0"/>
-              <a:t>2020-10-21</a:t>
+              <a:t>2020-10-26</a:t>
             </a:fld>
             <a:endParaRPr lang="sv-SE"/>
           </a:p>
@@ -7593,7 +7593,7 @@
           <a:p>
             <a:fld id="{2EE9E2A9-E135-4ACA-8B95-1AD178214A56}" type="datetime1">
               <a:rPr lang="sv-SE" smtClean="0"/>
-              <a:t>2020-10-21</a:t>
+              <a:t>2020-10-26</a:t>
             </a:fld>
             <a:endParaRPr lang="sv-SE"/>
           </a:p>
@@ -8016,13 +8016,8 @@
           <a:p>
             <a:r>
               <a:rPr lang="sv-SE" dirty="0"/>
-              <a:t>Grupp nr</a:t>
-            </a:r>
-            <a:r>
-              <a:rPr lang="sv-SE"/>
-              <a:t>: NR</a:t>
-            </a:r>
-            <a:endParaRPr lang="sv-SE" dirty="0"/>
+              <a:t>Grupp nr: 6</a:t>
+            </a:r>
           </a:p>
         </p:txBody>
       </p:sp>
@@ -8043,7 +8038,43 @@
           <a:p>
             <a:r>
               <a:rPr lang="sv-SE" dirty="0"/>
-              <a:t>Namn och e-post till samtliga gruppmedlemmar</a:t>
+              <a:t>Christoffer Öhman, choh4524@student.su.se</a:t>
+            </a:r>
+          </a:p>
+          <a:p>
+            <a:r>
+              <a:rPr lang="sv-SE" dirty="0"/>
+              <a:t>Adam Blomqvist, adbl0188@student.su.se</a:t>
+            </a:r>
+          </a:p>
+          <a:p>
+            <a:r>
+              <a:rPr lang="sv-SE" dirty="0"/>
+              <a:t>Christian </a:t>
+            </a:r>
+            <a:r>
+              <a:rPr lang="sv-SE" dirty="0" err="1"/>
+              <a:t>Neij</a:t>
+            </a:r>
+            <a:r>
+              <a:rPr lang="sv-SE" dirty="0"/>
+              <a:t>, chne0432@student.su.se</a:t>
+            </a:r>
+          </a:p>
+          <a:p>
+            <a:r>
+              <a:rPr lang="sv-SE" dirty="0" err="1"/>
+              <a:t>Jennier</a:t>
+            </a:r>
+            <a:r>
+              <a:rPr lang="sv-SE" dirty="0"/>
+              <a:t> McCarthy, jemc7787@student.su.se</a:t>
+            </a:r>
+          </a:p>
+          <a:p>
+            <a:r>
+              <a:rPr lang="sv-SE" dirty="0"/>
+              <a:t>Emilia Hane, emha7928@student.su.se</a:t>
             </a:r>
           </a:p>
         </p:txBody>

--- a/slutredovisning.pptx
+++ b/slutredovisning.pptx
@@ -1,6 +1,6 @@
 
 <file path=ppt/presentation.xml><?xml version="1.0" encoding="utf-8"?>
-<p:presentation xmlns:a="http://schemas.openxmlformats.org/drawingml/2006/main" xmlns:r="http://schemas.openxmlformats.org/officeDocument/2006/relationships" xmlns:p="http://schemas.openxmlformats.org/presentationml/2006/main" saveSubsetFonts="1">
+<p:presentation xmlns:a="http://schemas.openxmlformats.org/drawingml/2006/main" xmlns:r="http://schemas.openxmlformats.org/officeDocument/2006/relationships" xmlns:p="http://schemas.openxmlformats.org/presentationml/2006/main" serverZoom="50355" saveSubsetFonts="1">
   <p:sldMasterIdLst>
     <p:sldMasterId id="2147483648" r:id="rId1"/>
   </p:sldMasterIdLst>

--- a/slutredovisning.pptx
+++ b/slutredovisning.pptx
@@ -12771,31 +12771,41 @@
           </a:p>
         </p:txBody>
       </p:sp>
-      <p:sp>
-        <p:nvSpPr>
-          <p:cNvPr id="3" name="Platshållare för innehåll 2">
+      <p:pic>
+        <p:nvPicPr>
+          <p:cNvPr id="8" name="Platshållare för innehåll 7">
             <a:extLst>
               <a:ext uri="{FF2B5EF4-FFF2-40B4-BE49-F238E27FC236}">
-                <a16:creationId xmlns:a16="http://schemas.microsoft.com/office/drawing/2014/main" id="{DCCFE576-F21B-45B9-B640-686D10143FDD}"/>
+                <a16:creationId xmlns:a16="http://schemas.microsoft.com/office/drawing/2014/main" id="{BF51B0AA-A528-4A74-A6BB-F448D8AD091B}"/>
               </a:ext>
             </a:extLst>
           </p:cNvPr>
-          <p:cNvSpPr>
-            <a:spLocks noGrp="1"/>
-          </p:cNvSpPr>
+          <p:cNvPicPr>
+            <a:picLocks noGrp="1" noChangeAspect="1"/>
+          </p:cNvPicPr>
           <p:nvPr>
             <p:ph idx="1"/>
           </p:nvPr>
-        </p:nvSpPr>
-        <p:spPr/>
-        <p:txBody>
-          <a:bodyPr/>
-          <a:lstStyle/>
-          <a:p>
-            <a:endParaRPr lang="sv-SE"/>
-          </a:p>
-        </p:txBody>
-      </p:sp>
+        </p:nvPicPr>
+        <p:blipFill>
+          <a:blip r:embed="rId4">
+            <a:extLst>
+              <a:ext uri="{28A0092B-C50C-407E-A947-70E740481C1C}">
+                <a14:useLocalDpi xmlns:a14="http://schemas.microsoft.com/office/drawing/2010/main" val="0"/>
+              </a:ext>
+            </a:extLst>
+          </a:blip>
+          <a:stretch>
+            <a:fillRect/>
+          </a:stretch>
+        </p:blipFill>
+        <p:spPr>
+          <a:xfrm>
+            <a:off x="4609324" y="367328"/>
+            <a:ext cx="2181574" cy="6354147"/>
+          </a:xfrm>
+        </p:spPr>
+      </p:pic>
       <p:sp>
         <p:nvSpPr>
           <p:cNvPr id="4" name="Platshållare för bildnummer 3">

--- a/slutredovisning.pptx
+++ b/slutredovisning.pptx
@@ -8064,7 +8064,7 @@
           <a:p>
             <a:r>
               <a:rPr lang="sv-SE" dirty="0" err="1"/>
-              <a:t>Jennier</a:t>
+              <a:t>Jennfier</a:t>
             </a:r>
             <a:r>
               <a:rPr lang="sv-SE" dirty="0"/>
@@ -10504,7 +10504,32 @@
           <a:bodyPr/>
           <a:lstStyle/>
           <a:p>
-            <a:endParaRPr lang="sv-SE"/>
+            <a:r>
+              <a:rPr lang="sv-SE" dirty="0"/>
+              <a:t>Git</a:t>
+            </a:r>
+          </a:p>
+          <a:p>
+            <a:r>
+              <a:rPr lang="sv-SE" dirty="0" err="1"/>
+              <a:t>Maven</a:t>
+            </a:r>
+            <a:endParaRPr lang="sv-SE" dirty="0"/>
+          </a:p>
+          <a:p>
+            <a:r>
+              <a:rPr lang="sv-SE" dirty="0"/>
+              <a:t>JUnit5</a:t>
+            </a:r>
+          </a:p>
+          <a:p>
+            <a:r>
+              <a:rPr lang="sv-SE" dirty="0"/>
+              <a:t>Java 14</a:t>
+            </a:r>
+          </a:p>
+          <a:p>
+            <a:endParaRPr lang="sv-SE" dirty="0"/>
           </a:p>
         </p:txBody>
       </p:sp>
@@ -12788,7 +12813,7 @@
           </p:nvPr>
         </p:nvPicPr>
         <p:blipFill>
-          <a:blip r:embed="rId4">
+          <a:blip r:embed="rId4" cstate="print">
             <a:extLst>
               <a:ext uri="{28A0092B-C50C-407E-A947-70E740481C1C}">
                 <a14:useLocalDpi xmlns:a14="http://schemas.microsoft.com/office/drawing/2010/main" val="0"/>
